--- a/miniprojeto/Apresentacao.pptx
+++ b/miniprojeto/Apresentacao.pptx
@@ -108,6 +108,11 @@
       </a:defRPr>
     </a:lvl9pPr>
   </p:defaultTextStyle>
+  <p:extLst>
+    <p:ext uri="{EFAFB233-063F-42B5-8137-9DF3F51BA10A}">
+      <p15:sldGuideLst xmlns:p15="http://schemas.microsoft.com/office/powerpoint/2012/main"/>
+    </p:ext>
+  </p:extLst>
 </p:presentation>
 </file>
 
@@ -115,19 +120,19 @@
 <pc:chgInfo xmlns:a="http://schemas.openxmlformats.org/drawingml/2006/main" xmlns:r="http://schemas.openxmlformats.org/officeDocument/2006/relationships" xmlns:ac="http://schemas.microsoft.com/office/drawing/2013/main/command" xmlns:pc="http://schemas.microsoft.com/office/powerpoint/2013/main/command">
   <pc:docChgLst>
     <pc:chgData name="Rodrigo Pumar" userId="05c6da525856e9fb" providerId="LiveId" clId="{1C61B518-1FAB-4104-AA07-A02AEE3C1C87}"/>
-    <pc:docChg chg="modSld">
-      <pc:chgData name="Rodrigo Pumar" userId="05c6da525856e9fb" providerId="LiveId" clId="{1C61B518-1FAB-4104-AA07-A02AEE3C1C87}" dt="2018-04-03T19:42:00.168" v="13" actId="20577"/>
+    <pc:docChg chg="custSel modSld">
+      <pc:chgData name="Rodrigo Pumar" userId="05c6da525856e9fb" providerId="LiveId" clId="{1C61B518-1FAB-4104-AA07-A02AEE3C1C87}" dt="2018-04-10T18:07:00.867" v="108" actId="1076"/>
       <pc:docMkLst>
         <pc:docMk/>
       </pc:docMkLst>
       <pc:sldChg chg="modSp">
-        <pc:chgData name="Rodrigo Pumar" userId="05c6da525856e9fb" providerId="LiveId" clId="{1C61B518-1FAB-4104-AA07-A02AEE3C1C87}" dt="2018-04-03T19:42:00.168" v="13" actId="20577"/>
+        <pc:chgData name="Rodrigo Pumar" userId="05c6da525856e9fb" providerId="LiveId" clId="{1C61B518-1FAB-4104-AA07-A02AEE3C1C87}" dt="2018-04-10T18:05:37.935" v="14" actId="313"/>
         <pc:sldMkLst>
           <pc:docMk/>
           <pc:sldMk cId="1909973525" sldId="256"/>
         </pc:sldMkLst>
         <pc:spChg chg="mod">
-          <ac:chgData name="Rodrigo Pumar" userId="05c6da525856e9fb" providerId="LiveId" clId="{1C61B518-1FAB-4104-AA07-A02AEE3C1C87}" dt="2018-04-03T19:42:00.168" v="13" actId="20577"/>
+          <ac:chgData name="Rodrigo Pumar" userId="05c6da525856e9fb" providerId="LiveId" clId="{1C61B518-1FAB-4104-AA07-A02AEE3C1C87}" dt="2018-04-10T18:05:37.935" v="14" actId="313"/>
           <ac:spMkLst>
             <pc:docMk/>
             <pc:sldMk cId="1909973525" sldId="256"/>
@@ -140,6 +145,21 @@
             <pc:docMk/>
             <pc:sldMk cId="1909973525" sldId="256"/>
             <ac:spMk id="3" creationId="{391520D4-D210-4882-963E-3D5F8573F99C}"/>
+          </ac:spMkLst>
+        </pc:spChg>
+      </pc:sldChg>
+      <pc:sldChg chg="modSp">
+        <pc:chgData name="Rodrigo Pumar" userId="05c6da525856e9fb" providerId="LiveId" clId="{1C61B518-1FAB-4104-AA07-A02AEE3C1C87}" dt="2018-04-10T18:07:00.867" v="108" actId="1076"/>
+        <pc:sldMkLst>
+          <pc:docMk/>
+          <pc:sldMk cId="3441606456" sldId="260"/>
+        </pc:sldMkLst>
+        <pc:spChg chg="mod">
+          <ac:chgData name="Rodrigo Pumar" userId="05c6da525856e9fb" providerId="LiveId" clId="{1C61B518-1FAB-4104-AA07-A02AEE3C1C87}" dt="2018-04-10T18:07:00.867" v="108" actId="1076"/>
+          <ac:spMkLst>
+            <pc:docMk/>
+            <pc:sldMk cId="3441606456" sldId="260"/>
+            <ac:spMk id="11" creationId="{D14D84EA-5B02-47F3-B343-761765B258F5}"/>
           </ac:spMkLst>
         </pc:spChg>
       </pc:sldChg>
@@ -453,7 +473,7 @@
           <a:p>
             <a:fld id="{CB20CE0D-DCBF-4F05-A4FC-29CB0DE0336D}" type="datetimeFigureOut">
               <a:rPr lang="pt-BR" smtClean="0"/>
-              <a:t>03/04/2018</a:t>
+              <a:t>10/04/2018</a:t>
             </a:fld>
             <a:endParaRPr lang="pt-BR"/>
           </a:p>
@@ -653,7 +673,7 @@
           <a:p>
             <a:fld id="{CB20CE0D-DCBF-4F05-A4FC-29CB0DE0336D}" type="datetimeFigureOut">
               <a:rPr lang="pt-BR" smtClean="0"/>
-              <a:t>03/04/2018</a:t>
+              <a:t>10/04/2018</a:t>
             </a:fld>
             <a:endParaRPr lang="pt-BR"/>
           </a:p>
@@ -863,7 +883,7 @@
           <a:p>
             <a:fld id="{CB20CE0D-DCBF-4F05-A4FC-29CB0DE0336D}" type="datetimeFigureOut">
               <a:rPr lang="pt-BR" smtClean="0"/>
-              <a:t>03/04/2018</a:t>
+              <a:t>10/04/2018</a:t>
             </a:fld>
             <a:endParaRPr lang="pt-BR"/>
           </a:p>
@@ -1063,7 +1083,7 @@
           <a:p>
             <a:fld id="{CB20CE0D-DCBF-4F05-A4FC-29CB0DE0336D}" type="datetimeFigureOut">
               <a:rPr lang="pt-BR" smtClean="0"/>
-              <a:t>03/04/2018</a:t>
+              <a:t>10/04/2018</a:t>
             </a:fld>
             <a:endParaRPr lang="pt-BR"/>
           </a:p>
@@ -1339,7 +1359,7 @@
           <a:p>
             <a:fld id="{CB20CE0D-DCBF-4F05-A4FC-29CB0DE0336D}" type="datetimeFigureOut">
               <a:rPr lang="pt-BR" smtClean="0"/>
-              <a:t>03/04/2018</a:t>
+              <a:t>10/04/2018</a:t>
             </a:fld>
             <a:endParaRPr lang="pt-BR"/>
           </a:p>
@@ -1607,7 +1627,7 @@
           <a:p>
             <a:fld id="{CB20CE0D-DCBF-4F05-A4FC-29CB0DE0336D}" type="datetimeFigureOut">
               <a:rPr lang="pt-BR" smtClean="0"/>
-              <a:t>03/04/2018</a:t>
+              <a:t>10/04/2018</a:t>
             </a:fld>
             <a:endParaRPr lang="pt-BR"/>
           </a:p>
@@ -2022,7 +2042,7 @@
           <a:p>
             <a:fld id="{CB20CE0D-DCBF-4F05-A4FC-29CB0DE0336D}" type="datetimeFigureOut">
               <a:rPr lang="pt-BR" smtClean="0"/>
-              <a:t>03/04/2018</a:t>
+              <a:t>10/04/2018</a:t>
             </a:fld>
             <a:endParaRPr lang="pt-BR"/>
           </a:p>
@@ -2164,7 +2184,7 @@
           <a:p>
             <a:fld id="{CB20CE0D-DCBF-4F05-A4FC-29CB0DE0336D}" type="datetimeFigureOut">
               <a:rPr lang="pt-BR" smtClean="0"/>
-              <a:t>03/04/2018</a:t>
+              <a:t>10/04/2018</a:t>
             </a:fld>
             <a:endParaRPr lang="pt-BR"/>
           </a:p>
@@ -2277,7 +2297,7 @@
           <a:p>
             <a:fld id="{CB20CE0D-DCBF-4F05-A4FC-29CB0DE0336D}" type="datetimeFigureOut">
               <a:rPr lang="pt-BR" smtClean="0"/>
-              <a:t>03/04/2018</a:t>
+              <a:t>10/04/2018</a:t>
             </a:fld>
             <a:endParaRPr lang="pt-BR"/>
           </a:p>
@@ -2590,7 +2610,7 @@
           <a:p>
             <a:fld id="{CB20CE0D-DCBF-4F05-A4FC-29CB0DE0336D}" type="datetimeFigureOut">
               <a:rPr lang="pt-BR" smtClean="0"/>
-              <a:t>03/04/2018</a:t>
+              <a:t>10/04/2018</a:t>
             </a:fld>
             <a:endParaRPr lang="pt-BR"/>
           </a:p>
@@ -2879,7 +2899,7 @@
           <a:p>
             <a:fld id="{CB20CE0D-DCBF-4F05-A4FC-29CB0DE0336D}" type="datetimeFigureOut">
               <a:rPr lang="pt-BR" smtClean="0"/>
-              <a:t>03/04/2018</a:t>
+              <a:t>10/04/2018</a:t>
             </a:fld>
             <a:endParaRPr lang="pt-BR"/>
           </a:p>
@@ -3122,7 +3142,7 @@
           <a:p>
             <a:fld id="{CB20CE0D-DCBF-4F05-A4FC-29CB0DE0336D}" type="datetimeFigureOut">
               <a:rPr lang="pt-BR" smtClean="0"/>
-              <a:t>03/04/2018</a:t>
+              <a:t>10/04/2018</a:t>
             </a:fld>
             <a:endParaRPr lang="pt-BR"/>
           </a:p>
@@ -3561,14 +3581,9 @@
           <a:lstStyle/>
           <a:p>
             <a:r>
-              <a:rPr lang="pt-BR" err="1"/>
-              <a:t>Relogio</a:t>
-            </a:r>
-            <a:r>
-              <a:rPr lang="pt-BR"/>
-              <a:t> e Despertador</a:t>
-            </a:r>
-            <a:endParaRPr lang="pt-BR" dirty="0"/>
+              <a:rPr lang="pt-BR" dirty="0"/>
+              <a:t>Relógio e Despertador</a:t>
+            </a:r>
           </a:p>
         </p:txBody>
       </p:sp>
@@ -4307,8 +4322,8 @@
           </a:prstGeom>
         </p:spPr>
       </p:pic>
-      <mc:AlternateContent xmlns:mc="http://schemas.openxmlformats.org/markup-compatibility/2006">
-        <mc:Choice xmlns:p14="http://schemas.microsoft.com/office/powerpoint/2010/main" Requires="p14">
+      <mc:AlternateContent xmlns:mc="http://schemas.openxmlformats.org/markup-compatibility/2006" xmlns:p14="http://schemas.microsoft.com/office/powerpoint/2010/main">
+        <mc:Choice Requires="p14">
           <p:contentPart p14:bwMode="auto" r:id="rId5">
             <p14:nvContentPartPr>
               <p14:cNvPr id="7" name="Ink 6">
@@ -4327,7 +4342,7 @@
             </p14:xfrm>
           </p:contentPart>
         </mc:Choice>
-        <mc:Fallback>
+        <mc:Fallback xmlns="">
           <p:pic>
             <p:nvPicPr>
               <p:cNvPr id="7" name="Ink 6">
@@ -4358,8 +4373,8 @@
           </p:pic>
         </mc:Fallback>
       </mc:AlternateContent>
-      <mc:AlternateContent xmlns:mc="http://schemas.openxmlformats.org/markup-compatibility/2006">
-        <mc:Choice xmlns:p14="http://schemas.microsoft.com/office/powerpoint/2010/main" Requires="p14">
+      <mc:AlternateContent xmlns:mc="http://schemas.openxmlformats.org/markup-compatibility/2006" xmlns:p14="http://schemas.microsoft.com/office/powerpoint/2010/main">
+        <mc:Choice Requires="p14">
           <p:contentPart p14:bwMode="auto" r:id="rId7">
             <p14:nvContentPartPr>
               <p14:cNvPr id="8" name="Ink 7">
@@ -4378,7 +4393,7 @@
             </p14:xfrm>
           </p:contentPart>
         </mc:Choice>
-        <mc:Fallback>
+        <mc:Fallback xmlns="">
           <p:pic>
             <p:nvPicPr>
               <p:cNvPr id="8" name="Ink 7">
@@ -4409,8 +4424,8 @@
           </p:pic>
         </mc:Fallback>
       </mc:AlternateContent>
-      <mc:AlternateContent xmlns:mc="http://schemas.openxmlformats.org/markup-compatibility/2006">
-        <mc:Choice xmlns:p14="http://schemas.microsoft.com/office/powerpoint/2010/main" Requires="p14">
+      <mc:AlternateContent xmlns:mc="http://schemas.openxmlformats.org/markup-compatibility/2006" xmlns:p14="http://schemas.microsoft.com/office/powerpoint/2010/main">
+        <mc:Choice Requires="p14">
           <p:contentPart p14:bwMode="auto" r:id="rId8">
             <p14:nvContentPartPr>
               <p14:cNvPr id="9" name="Ink 8">
@@ -4429,7 +4444,7 @@
             </p14:xfrm>
           </p:contentPart>
         </mc:Choice>
-        <mc:Fallback>
+        <mc:Fallback xmlns="">
           <p:pic>
             <p:nvPicPr>
               <p:cNvPr id="9" name="Ink 8">
@@ -4972,8 +4987,8 @@
           </a:prstGeom>
         </p:spPr>
       </p:pic>
-      <mc:AlternateContent xmlns:mc="http://schemas.openxmlformats.org/markup-compatibility/2006">
-        <mc:Choice xmlns:p14="http://schemas.microsoft.com/office/powerpoint/2010/main" Requires="p14">
+      <mc:AlternateContent xmlns:mc="http://schemas.openxmlformats.org/markup-compatibility/2006" xmlns:p14="http://schemas.microsoft.com/office/powerpoint/2010/main">
+        <mc:Choice Requires="p14">
           <p:contentPart p14:bwMode="auto" r:id="rId4">
             <p14:nvContentPartPr>
               <p14:cNvPr id="8" name="Ink 7">
@@ -4992,7 +5007,7 @@
             </p14:xfrm>
           </p:contentPart>
         </mc:Choice>
-        <mc:Fallback>
+        <mc:Fallback xmlns="">
           <p:pic>
             <p:nvPicPr>
               <p:cNvPr id="8" name="Ink 7">
@@ -5023,8 +5038,8 @@
           </p:pic>
         </mc:Fallback>
       </mc:AlternateContent>
-      <mc:AlternateContent xmlns:mc="http://schemas.openxmlformats.org/markup-compatibility/2006">
-        <mc:Choice xmlns:p14="http://schemas.microsoft.com/office/powerpoint/2010/main" Requires="p14">
+      <mc:AlternateContent xmlns:mc="http://schemas.openxmlformats.org/markup-compatibility/2006" xmlns:p14="http://schemas.microsoft.com/office/powerpoint/2010/main">
+        <mc:Choice Requires="p14">
           <p:contentPart p14:bwMode="auto" r:id="rId6">
             <p14:nvContentPartPr>
               <p14:cNvPr id="9" name="Ink 8">
@@ -5043,7 +5058,7 @@
             </p14:xfrm>
           </p:contentPart>
         </mc:Choice>
-        <mc:Fallback>
+        <mc:Fallback xmlns="">
           <p:pic>
             <p:nvPicPr>
               <p:cNvPr id="9" name="Ink 8">
@@ -5074,8 +5089,8 @@
           </p:pic>
         </mc:Fallback>
       </mc:AlternateContent>
-      <mc:AlternateContent xmlns:mc="http://schemas.openxmlformats.org/markup-compatibility/2006">
-        <mc:Choice xmlns:p14="http://schemas.microsoft.com/office/powerpoint/2010/main" Requires="p14">
+      <mc:AlternateContent xmlns:mc="http://schemas.openxmlformats.org/markup-compatibility/2006" xmlns:p14="http://schemas.microsoft.com/office/powerpoint/2010/main">
+        <mc:Choice Requires="p14">
           <p:contentPart p14:bwMode="auto" r:id="rId7">
             <p14:nvContentPartPr>
               <p14:cNvPr id="10" name="Ink 9">
@@ -5094,7 +5109,7 @@
             </p14:xfrm>
           </p:contentPart>
         </mc:Choice>
-        <mc:Fallback>
+        <mc:Fallback xmlns="">
           <p:pic>
             <p:nvPicPr>
               <p:cNvPr id="10" name="Ink 9">
@@ -5139,8 +5154,8 @@
         </p:nvSpPr>
         <p:spPr>
           <a:xfrm>
-            <a:off x="5172899" y="1724621"/>
-            <a:ext cx="7254550" cy="923330"/>
+            <a:off x="3745521" y="1815922"/>
+            <a:ext cx="8446479" cy="1200329"/>
           </a:xfrm>
           <a:prstGeom prst="rect">
             <a:avLst/>
@@ -5236,6 +5251,20 @@
             <a:r>
               <a:rPr lang="pt-BR" b="1" dirty="0"/>
               <a:t>ia voltar a tocar apenas no dia seguinte.</a:t>
+            </a:r>
+          </a:p>
+          <a:p>
+            <a:r>
+              <a:rPr lang="pt-BR" b="1" dirty="0"/>
+              <a:t>Mudamos para que o </a:t>
+            </a:r>
+            <a:r>
+              <a:rPr lang="pt-BR" b="1" dirty="0" err="1"/>
+              <a:t>snoozze</a:t>
+            </a:r>
+            <a:r>
+              <a:rPr lang="pt-BR" b="1" dirty="0"/>
+              <a:t> fosse aplicada na hora corrente e não na hora do alarme.</a:t>
             </a:r>
           </a:p>
         </p:txBody>
